--- a/19522411_PhanThanhBaoTrong.pptx
+++ b/19522411_PhanThanhBaoTrong.pptx
@@ -5,7 +5,7 @@
     <p:sldMasterId id="2147483668" r:id="rId1"/>
   </p:sldMasterIdLst>
   <p:notesMasterIdLst>
-    <p:notesMasterId r:id="rId17"/>
+    <p:notesMasterId r:id="rId20"/>
   </p:notesMasterIdLst>
   <p:sldIdLst>
     <p:sldId id="256" r:id="rId2"/>
@@ -21,40 +21,43 @@
     <p:sldId id="318" r:id="rId12"/>
     <p:sldId id="319" r:id="rId13"/>
     <p:sldId id="321" r:id="rId14"/>
-    <p:sldId id="310" r:id="rId15"/>
-    <p:sldId id="277" r:id="rId16"/>
+    <p:sldId id="322" r:id="rId15"/>
+    <p:sldId id="323" r:id="rId16"/>
+    <p:sldId id="324" r:id="rId17"/>
+    <p:sldId id="310" r:id="rId18"/>
+    <p:sldId id="277" r:id="rId19"/>
   </p:sldIdLst>
   <p:sldSz cx="12192000" cy="6858000"/>
   <p:notesSz cx="6858000" cy="9144000"/>
   <p:embeddedFontLst>
     <p:embeddedFont>
       <p:font typeface="Abril Fatface" panose="02000503000000020003" pitchFamily="2" charset="0"/>
-      <p:regular r:id="rId18"/>
+      <p:regular r:id="rId21"/>
     </p:embeddedFont>
     <p:embeddedFont>
       <p:font typeface="Calibri" panose="020F0502020204030204" pitchFamily="34" charset="0"/>
-      <p:regular r:id="rId19"/>
-      <p:bold r:id="rId20"/>
-      <p:italic r:id="rId21"/>
-      <p:boldItalic r:id="rId22"/>
+      <p:regular r:id="rId22"/>
+      <p:bold r:id="rId23"/>
+      <p:italic r:id="rId24"/>
+      <p:boldItalic r:id="rId25"/>
     </p:embeddedFont>
     <p:embeddedFont>
       <p:font typeface="Roboto" panose="02000000000000000000" pitchFamily="2" charset="0"/>
-      <p:regular r:id="rId23"/>
-      <p:bold r:id="rId24"/>
-      <p:italic r:id="rId25"/>
-      <p:boldItalic r:id="rId26"/>
+      <p:regular r:id="rId26"/>
+      <p:bold r:id="rId27"/>
+      <p:italic r:id="rId28"/>
+      <p:boldItalic r:id="rId29"/>
     </p:embeddedFont>
     <p:embeddedFont>
       <p:font typeface="Roboto Mono" panose="00000009000000000000" pitchFamily="49" charset="0"/>
-      <p:regular r:id="rId27"/>
-      <p:bold r:id="rId28"/>
-      <p:italic r:id="rId29"/>
-      <p:boldItalic r:id="rId30"/>
+      <p:regular r:id="rId30"/>
+      <p:bold r:id="rId31"/>
+      <p:italic r:id="rId32"/>
+      <p:boldItalic r:id="rId33"/>
     </p:embeddedFont>
     <p:embeddedFont>
       <p:font typeface="Segoe UI Historic" panose="020B0502040204020203" pitchFamily="34" charset="0"/>
-      <p:regular r:id="rId31"/>
+      <p:regular r:id="rId34"/>
     </p:embeddedFont>
   </p:embeddedFontLst>
   <p:defaultTextStyle>
@@ -1291,6 +1294,333 @@
   <p:cSld>
     <p:spTree>
       <p:nvGrpSpPr>
+        <p:cNvPr id="1" name="Shape 453"/>
+        <p:cNvGrpSpPr/>
+        <p:nvPr/>
+      </p:nvGrpSpPr>
+      <p:grpSpPr>
+        <a:xfrm>
+          <a:off x="0" y="0"/>
+          <a:ext cx="0" cy="0"/>
+          <a:chOff x="0" y="0"/>
+          <a:chExt cx="0" cy="0"/>
+        </a:xfrm>
+      </p:grpSpPr>
+      <p:sp>
+        <p:nvSpPr>
+          <p:cNvPr id="454" name="Google Shape;454;g13a4d1c76c4_0_373:notes"/>
+          <p:cNvSpPr>
+            <a:spLocks noGrp="1" noRot="1" noChangeAspect="1"/>
+          </p:cNvSpPr>
+          <p:nvPr>
+            <p:ph type="sldImg" idx="2"/>
+          </p:nvPr>
+        </p:nvSpPr>
+        <p:spPr>
+          <a:xfrm>
+            <a:off x="381000" y="685800"/>
+            <a:ext cx="6096000" cy="3429000"/>
+          </a:xfrm>
+          <a:custGeom>
+            <a:avLst/>
+            <a:gdLst/>
+            <a:ahLst/>
+            <a:cxnLst/>
+            <a:rect l="l" t="t" r="r" b="b"/>
+            <a:pathLst>
+              <a:path w="120000" h="120000" extrusionOk="0">
+                <a:moveTo>
+                  <a:pt x="0" y="0"/>
+                </a:moveTo>
+                <a:lnTo>
+                  <a:pt x="120000" y="0"/>
+                </a:lnTo>
+                <a:lnTo>
+                  <a:pt x="120000" y="120000"/>
+                </a:lnTo>
+                <a:lnTo>
+                  <a:pt x="0" y="120000"/>
+                </a:lnTo>
+                <a:close/>
+              </a:path>
+            </a:pathLst>
+          </a:custGeom>
+        </p:spPr>
+      </p:sp>
+      <p:sp>
+        <p:nvSpPr>
+          <p:cNvPr id="455" name="Google Shape;455;g13a4d1c76c4_0_373:notes"/>
+          <p:cNvSpPr txBox="1">
+            <a:spLocks noGrp="1"/>
+          </p:cNvSpPr>
+          <p:nvPr>
+            <p:ph type="body" idx="1"/>
+          </p:nvPr>
+        </p:nvSpPr>
+        <p:spPr>
+          <a:xfrm>
+            <a:off x="685800" y="4343400"/>
+            <a:ext cx="5486400" cy="4114800"/>
+          </a:xfrm>
+          <a:prstGeom prst="rect">
+            <a:avLst/>
+          </a:prstGeom>
+        </p:spPr>
+        <p:txBody>
+          <a:bodyPr spcFirstLastPara="1" wrap="square" lIns="91425" tIns="91425" rIns="91425" bIns="91425" anchor="t" anchorCtr="0">
+            <a:noAutofit/>
+          </a:bodyPr>
+          <a:lstStyle/>
+          <a:p>
+            <a:pPr marL="0" lvl="0" indent="0" algn="l" rtl="0">
+              <a:spcBef>
+                <a:spcPts val="0"/>
+              </a:spcBef>
+              <a:spcAft>
+                <a:spcPts val="0"/>
+              </a:spcAft>
+              <a:buNone/>
+            </a:pPr>
+            <a:endParaRPr/>
+          </a:p>
+        </p:txBody>
+      </p:sp>
+    </p:spTree>
+    <p:extLst>
+      <p:ext uri="{BB962C8B-B14F-4D97-AF65-F5344CB8AC3E}">
+        <p14:creationId xmlns:p14="http://schemas.microsoft.com/office/powerpoint/2010/main" val="4098441223"/>
+      </p:ext>
+    </p:extLst>
+  </p:cSld>
+  <p:clrMapOvr>
+    <a:masterClrMapping/>
+  </p:clrMapOvr>
+</p:notes>
+</file>
+
+<file path=ppt/notesSlides/notesSlide15.xml><?xml version="1.0" encoding="utf-8"?>
+<p:notes xmlns:a="http://schemas.openxmlformats.org/drawingml/2006/main" xmlns:r="http://schemas.openxmlformats.org/officeDocument/2006/relationships" xmlns:p="http://schemas.openxmlformats.org/presentationml/2006/main" showMasterSp="0" showMasterPhAnim="0">
+  <p:cSld>
+    <p:spTree>
+      <p:nvGrpSpPr>
+        <p:cNvPr id="1" name="Shape 413"/>
+        <p:cNvGrpSpPr/>
+        <p:nvPr/>
+      </p:nvGrpSpPr>
+      <p:grpSpPr>
+        <a:xfrm>
+          <a:off x="0" y="0"/>
+          <a:ext cx="0" cy="0"/>
+          <a:chOff x="0" y="0"/>
+          <a:chExt cx="0" cy="0"/>
+        </a:xfrm>
+      </p:grpSpPr>
+      <p:sp>
+        <p:nvSpPr>
+          <p:cNvPr id="414" name="Google Shape;414;ga073618e60_0_63:notes"/>
+          <p:cNvSpPr>
+            <a:spLocks noGrp="1" noRot="1" noChangeAspect="1"/>
+          </p:cNvSpPr>
+          <p:nvPr>
+            <p:ph type="sldImg" idx="2"/>
+          </p:nvPr>
+        </p:nvSpPr>
+        <p:spPr>
+          <a:xfrm>
+            <a:off x="381000" y="685800"/>
+            <a:ext cx="6096000" cy="3429000"/>
+          </a:xfrm>
+          <a:custGeom>
+            <a:avLst/>
+            <a:gdLst/>
+            <a:ahLst/>
+            <a:cxnLst/>
+            <a:rect l="l" t="t" r="r" b="b"/>
+            <a:pathLst>
+              <a:path w="120000" h="120000" extrusionOk="0">
+                <a:moveTo>
+                  <a:pt x="0" y="0"/>
+                </a:moveTo>
+                <a:lnTo>
+                  <a:pt x="120000" y="0"/>
+                </a:lnTo>
+                <a:lnTo>
+                  <a:pt x="120000" y="120000"/>
+                </a:lnTo>
+                <a:lnTo>
+                  <a:pt x="0" y="120000"/>
+                </a:lnTo>
+                <a:close/>
+              </a:path>
+            </a:pathLst>
+          </a:custGeom>
+        </p:spPr>
+      </p:sp>
+      <p:sp>
+        <p:nvSpPr>
+          <p:cNvPr id="415" name="Google Shape;415;ga073618e60_0_63:notes"/>
+          <p:cNvSpPr txBox="1">
+            <a:spLocks noGrp="1"/>
+          </p:cNvSpPr>
+          <p:nvPr>
+            <p:ph type="body" idx="1"/>
+          </p:nvPr>
+        </p:nvSpPr>
+        <p:spPr>
+          <a:xfrm>
+            <a:off x="685800" y="4343400"/>
+            <a:ext cx="5486400" cy="4114800"/>
+          </a:xfrm>
+          <a:prstGeom prst="rect">
+            <a:avLst/>
+          </a:prstGeom>
+        </p:spPr>
+        <p:txBody>
+          <a:bodyPr spcFirstLastPara="1" wrap="square" lIns="91425" tIns="91425" rIns="91425" bIns="91425" anchor="t" anchorCtr="0">
+            <a:noAutofit/>
+          </a:bodyPr>
+          <a:lstStyle/>
+          <a:p>
+            <a:pPr marL="0" lvl="0" indent="0" algn="l" rtl="0">
+              <a:spcBef>
+                <a:spcPts val="0"/>
+              </a:spcBef>
+              <a:spcAft>
+                <a:spcPts val="0"/>
+              </a:spcAft>
+              <a:buNone/>
+            </a:pPr>
+            <a:endParaRPr dirty="0"/>
+          </a:p>
+        </p:txBody>
+      </p:sp>
+    </p:spTree>
+    <p:extLst>
+      <p:ext uri="{BB962C8B-B14F-4D97-AF65-F5344CB8AC3E}">
+        <p14:creationId xmlns:p14="http://schemas.microsoft.com/office/powerpoint/2010/main" val="4291110802"/>
+      </p:ext>
+    </p:extLst>
+  </p:cSld>
+  <p:clrMapOvr>
+    <a:masterClrMapping/>
+  </p:clrMapOvr>
+</p:notes>
+</file>
+
+<file path=ppt/notesSlides/notesSlide16.xml><?xml version="1.0" encoding="utf-8"?>
+<p:notes xmlns:a="http://schemas.openxmlformats.org/drawingml/2006/main" xmlns:r="http://schemas.openxmlformats.org/officeDocument/2006/relationships" xmlns:p="http://schemas.openxmlformats.org/presentationml/2006/main" showMasterSp="0" showMasterPhAnim="0">
+  <p:cSld>
+    <p:spTree>
+      <p:nvGrpSpPr>
+        <p:cNvPr id="1" name="Shape 413"/>
+        <p:cNvGrpSpPr/>
+        <p:nvPr/>
+      </p:nvGrpSpPr>
+      <p:grpSpPr>
+        <a:xfrm>
+          <a:off x="0" y="0"/>
+          <a:ext cx="0" cy="0"/>
+          <a:chOff x="0" y="0"/>
+          <a:chExt cx="0" cy="0"/>
+        </a:xfrm>
+      </p:grpSpPr>
+      <p:sp>
+        <p:nvSpPr>
+          <p:cNvPr id="414" name="Google Shape;414;ga073618e60_0_63:notes"/>
+          <p:cNvSpPr>
+            <a:spLocks noGrp="1" noRot="1" noChangeAspect="1"/>
+          </p:cNvSpPr>
+          <p:nvPr>
+            <p:ph type="sldImg" idx="2"/>
+          </p:nvPr>
+        </p:nvSpPr>
+        <p:spPr>
+          <a:xfrm>
+            <a:off x="381000" y="685800"/>
+            <a:ext cx="6096000" cy="3429000"/>
+          </a:xfrm>
+          <a:custGeom>
+            <a:avLst/>
+            <a:gdLst/>
+            <a:ahLst/>
+            <a:cxnLst/>
+            <a:rect l="l" t="t" r="r" b="b"/>
+            <a:pathLst>
+              <a:path w="120000" h="120000" extrusionOk="0">
+                <a:moveTo>
+                  <a:pt x="0" y="0"/>
+                </a:moveTo>
+                <a:lnTo>
+                  <a:pt x="120000" y="0"/>
+                </a:lnTo>
+                <a:lnTo>
+                  <a:pt x="120000" y="120000"/>
+                </a:lnTo>
+                <a:lnTo>
+                  <a:pt x="0" y="120000"/>
+                </a:lnTo>
+                <a:close/>
+              </a:path>
+            </a:pathLst>
+          </a:custGeom>
+        </p:spPr>
+      </p:sp>
+      <p:sp>
+        <p:nvSpPr>
+          <p:cNvPr id="415" name="Google Shape;415;ga073618e60_0_63:notes"/>
+          <p:cNvSpPr txBox="1">
+            <a:spLocks noGrp="1"/>
+          </p:cNvSpPr>
+          <p:nvPr>
+            <p:ph type="body" idx="1"/>
+          </p:nvPr>
+        </p:nvSpPr>
+        <p:spPr>
+          <a:xfrm>
+            <a:off x="685800" y="4343400"/>
+            <a:ext cx="5486400" cy="4114800"/>
+          </a:xfrm>
+          <a:prstGeom prst="rect">
+            <a:avLst/>
+          </a:prstGeom>
+        </p:spPr>
+        <p:txBody>
+          <a:bodyPr spcFirstLastPara="1" wrap="square" lIns="91425" tIns="91425" rIns="91425" bIns="91425" anchor="t" anchorCtr="0">
+            <a:noAutofit/>
+          </a:bodyPr>
+          <a:lstStyle/>
+          <a:p>
+            <a:pPr marL="0" lvl="0" indent="0" algn="l" rtl="0">
+              <a:spcBef>
+                <a:spcPts val="0"/>
+              </a:spcBef>
+              <a:spcAft>
+                <a:spcPts val="0"/>
+              </a:spcAft>
+              <a:buNone/>
+            </a:pPr>
+            <a:endParaRPr/>
+          </a:p>
+        </p:txBody>
+      </p:sp>
+    </p:spTree>
+    <p:extLst>
+      <p:ext uri="{BB962C8B-B14F-4D97-AF65-F5344CB8AC3E}">
+        <p14:creationId xmlns:p14="http://schemas.microsoft.com/office/powerpoint/2010/main" val="3030119684"/>
+      </p:ext>
+    </p:extLst>
+  </p:cSld>
+  <p:clrMapOvr>
+    <a:masterClrMapping/>
+  </p:clrMapOvr>
+</p:notes>
+</file>
+
+<file path=ppt/notesSlides/notesSlide17.xml><?xml version="1.0" encoding="utf-8"?>
+<p:notes xmlns:a="http://schemas.openxmlformats.org/drawingml/2006/main" xmlns:r="http://schemas.openxmlformats.org/officeDocument/2006/relationships" xmlns:p="http://schemas.openxmlformats.org/presentationml/2006/main" showMasterSp="0" showMasterPhAnim="0">
+  <p:cSld>
+    <p:spTree>
+      <p:nvGrpSpPr>
         <p:cNvPr id="1" name="Shape 406"/>
         <p:cNvGrpSpPr/>
         <p:nvPr/>
@@ -1395,7 +1725,7 @@
 </p:notes>
 </file>
 
-<file path=ppt/notesSlides/notesSlide15.xml><?xml version="1.0" encoding="utf-8"?>
+<file path=ppt/notesSlides/notesSlide18.xml><?xml version="1.0" encoding="utf-8"?>
 <p:notes xmlns:a="http://schemas.openxmlformats.org/drawingml/2006/main" xmlns:r="http://schemas.openxmlformats.org/officeDocument/2006/relationships" xmlns:p="http://schemas.openxmlformats.org/presentationml/2006/main" showMasterSp="0" showMasterPhAnim="0">
   <p:cSld>
     <p:spTree>
@@ -22033,6 +22363,870 @@
   <p:cSld>
     <p:spTree>
       <p:nvGrpSpPr>
+        <p:cNvPr id="1" name="Shape 456"/>
+        <p:cNvGrpSpPr/>
+        <p:nvPr/>
+      </p:nvGrpSpPr>
+      <p:grpSpPr>
+        <a:xfrm>
+          <a:off x="0" y="0"/>
+          <a:ext cx="0" cy="0"/>
+          <a:chOff x="0" y="0"/>
+          <a:chExt cx="0" cy="0"/>
+        </a:xfrm>
+      </p:grpSpPr>
+      <p:sp>
+        <p:nvSpPr>
+          <p:cNvPr id="458" name="Google Shape;458;p31"/>
+          <p:cNvSpPr txBox="1">
+            <a:spLocks noGrp="1"/>
+          </p:cNvSpPr>
+          <p:nvPr>
+            <p:ph type="title"/>
+          </p:nvPr>
+        </p:nvSpPr>
+        <p:spPr>
+          <a:xfrm>
+            <a:off x="3521706" y="1984138"/>
+            <a:ext cx="6732637" cy="2615194"/>
+          </a:xfrm>
+          <a:prstGeom prst="rect">
+            <a:avLst/>
+          </a:prstGeom>
+        </p:spPr>
+        <p:txBody>
+          <a:bodyPr spcFirstLastPara="1" wrap="square" lIns="121900" tIns="121900" rIns="121900" bIns="121900" anchor="t" anchorCtr="0">
+            <a:noAutofit/>
+          </a:bodyPr>
+          <a:lstStyle/>
+          <a:p>
+            <a:pPr marL="0" lvl="0" indent="0" algn="ctr" rtl="0">
+              <a:lnSpc>
+                <a:spcPct val="100000"/>
+              </a:lnSpc>
+              <a:spcBef>
+                <a:spcPts val="0"/>
+              </a:spcBef>
+              <a:spcAft>
+                <a:spcPts val="0"/>
+              </a:spcAft>
+              <a:buNone/>
+            </a:pPr>
+            <a:r>
+              <a:rPr lang="en-US" sz="6800" dirty="0">
+                <a:solidFill>
+                  <a:schemeClr val="accent3"/>
+                </a:solidFill>
+              </a:rPr>
+              <a:t>THUẬN LỢI VÀ KHÓ KHĂN</a:t>
+            </a:r>
+          </a:p>
+        </p:txBody>
+      </p:sp>
+      <p:sp>
+        <p:nvSpPr>
+          <p:cNvPr id="459" name="Google Shape;459;p31"/>
+          <p:cNvSpPr/>
+          <p:nvPr/>
+        </p:nvSpPr>
+        <p:spPr>
+          <a:xfrm>
+            <a:off x="1663550" y="2413605"/>
+            <a:ext cx="1858156" cy="1486099"/>
+          </a:xfrm>
+          <a:prstGeom prst="rect">
+            <a:avLst/>
+          </a:prstGeom>
+        </p:spPr>
+        <p:txBody>
+          <a:bodyPr>
+            <a:prstTxWarp prst="textPlain">
+              <a:avLst/>
+            </a:prstTxWarp>
+          </a:bodyPr>
+          <a:lstStyle/>
+          <a:p>
+            <a:pPr lvl="0" algn="ctr"/>
+            <a:r>
+              <a:rPr b="1" i="0" dirty="0">
+                <a:ln>
+                  <a:noFill/>
+                </a:ln>
+                <a:solidFill>
+                  <a:schemeClr val="accent3"/>
+                </a:solidFill>
+                <a:latin typeface="Roboto Mono"/>
+              </a:rPr>
+              <a:t>0</a:t>
+            </a:r>
+            <a:r>
+              <a:rPr lang="en-US" b="1" i="0" dirty="0">
+                <a:ln>
+                  <a:noFill/>
+                </a:ln>
+                <a:solidFill>
+                  <a:schemeClr val="accent3"/>
+                </a:solidFill>
+                <a:latin typeface="Roboto Mono"/>
+              </a:rPr>
+              <a:t>4</a:t>
+            </a:r>
+            <a:endParaRPr b="1" i="0" dirty="0">
+              <a:ln>
+                <a:noFill/>
+              </a:ln>
+              <a:solidFill>
+                <a:schemeClr val="accent3"/>
+              </a:solidFill>
+              <a:latin typeface="Roboto Mono"/>
+            </a:endParaRPr>
+          </a:p>
+        </p:txBody>
+      </p:sp>
+    </p:spTree>
+    <p:extLst>
+      <p:ext uri="{BB962C8B-B14F-4D97-AF65-F5344CB8AC3E}">
+        <p14:creationId xmlns:p14="http://schemas.microsoft.com/office/powerpoint/2010/main" val="3296778698"/>
+      </p:ext>
+    </p:extLst>
+  </p:cSld>
+  <p:clrMapOvr>
+    <a:masterClrMapping/>
+  </p:clrMapOvr>
+  <mc:AlternateContent xmlns:mc="http://schemas.openxmlformats.org/markup-compatibility/2006" xmlns:p159="http://schemas.microsoft.com/office/powerpoint/2015/09/main">
+    <mc:Choice Requires="p159">
+      <p:transition xmlns:p14="http://schemas.microsoft.com/office/powerpoint/2010/main" spd="slow" p14:dur="2000">
+        <p159:morph option="byObject"/>
+      </p:transition>
+    </mc:Choice>
+    <mc:Fallback xmlns="">
+      <p:transition spd="slow">
+        <p:fade/>
+      </p:transition>
+    </mc:Fallback>
+  </mc:AlternateContent>
+</p:sld>
+</file>
+
+<file path=ppt/slides/slide15.xml><?xml version="1.0" encoding="utf-8"?>
+<p:sld xmlns:a="http://schemas.openxmlformats.org/drawingml/2006/main" xmlns:r="http://schemas.openxmlformats.org/officeDocument/2006/relationships" xmlns:p="http://schemas.openxmlformats.org/presentationml/2006/main">
+  <p:cSld>
+    <p:spTree>
+      <p:nvGrpSpPr>
+        <p:cNvPr id="1" name="Shape 416"/>
+        <p:cNvGrpSpPr/>
+        <p:nvPr/>
+      </p:nvGrpSpPr>
+      <p:grpSpPr>
+        <a:xfrm>
+          <a:off x="0" y="0"/>
+          <a:ext cx="0" cy="0"/>
+          <a:chOff x="0" y="0"/>
+          <a:chExt cx="0" cy="0"/>
+        </a:xfrm>
+      </p:grpSpPr>
+      <p:sp>
+        <p:nvSpPr>
+          <p:cNvPr id="419" name="Google Shape;419;p26"/>
+          <p:cNvSpPr txBox="1">
+            <a:spLocks noGrp="1"/>
+          </p:cNvSpPr>
+          <p:nvPr>
+            <p:ph type="body" idx="2"/>
+          </p:nvPr>
+        </p:nvSpPr>
+        <p:spPr>
+          <a:xfrm>
+            <a:off x="1356865" y="1905991"/>
+            <a:ext cx="8865600" cy="2447504"/>
+          </a:xfrm>
+          <a:prstGeom prst="rect">
+            <a:avLst/>
+          </a:prstGeom>
+        </p:spPr>
+        <p:txBody>
+          <a:bodyPr spcFirstLastPara="1" wrap="square" lIns="121900" tIns="121900" rIns="121900" bIns="121900" anchor="t" anchorCtr="0">
+            <a:noAutofit/>
+          </a:bodyPr>
+          <a:lstStyle/>
+          <a:p>
+            <a:pPr marL="285750" indent="-285750">
+              <a:lnSpc>
+                <a:spcPct val="300000"/>
+              </a:lnSpc>
+            </a:pPr>
+            <a:r>
+              <a:rPr lang="en-US" dirty="0" err="1"/>
+              <a:t>Có</a:t>
+            </a:r>
+            <a:r>
+              <a:rPr lang="en-US" dirty="0"/>
+              <a:t> </a:t>
+            </a:r>
+            <a:r>
+              <a:rPr lang="en-US" dirty="0" err="1"/>
+              <a:t>tài</a:t>
+            </a:r>
+            <a:r>
+              <a:rPr lang="en-US" dirty="0"/>
+              <a:t> </a:t>
+            </a:r>
+            <a:r>
+              <a:rPr lang="en-US" dirty="0" err="1"/>
+              <a:t>liệu</a:t>
+            </a:r>
+            <a:r>
+              <a:rPr lang="en-US" dirty="0"/>
+              <a:t> </a:t>
+            </a:r>
+            <a:r>
+              <a:rPr lang="en-US" dirty="0" err="1"/>
+              <a:t>tham</a:t>
+            </a:r>
+            <a:r>
+              <a:rPr lang="en-US" dirty="0"/>
+              <a:t> </a:t>
+            </a:r>
+            <a:r>
+              <a:rPr lang="en-US" dirty="0" err="1"/>
+              <a:t>khảo</a:t>
+            </a:r>
+            <a:r>
+              <a:rPr lang="en-US" dirty="0"/>
+              <a:t> chi </a:t>
+            </a:r>
+            <a:r>
+              <a:rPr lang="en-US" dirty="0" err="1"/>
+              <a:t>tiết</a:t>
+            </a:r>
+            <a:r>
+              <a:rPr lang="en-US" dirty="0"/>
+              <a:t>, </a:t>
+            </a:r>
+            <a:r>
+              <a:rPr lang="en-US" dirty="0" err="1"/>
+              <a:t>rõ</a:t>
+            </a:r>
+            <a:r>
+              <a:rPr lang="en-US" dirty="0"/>
+              <a:t> </a:t>
+            </a:r>
+            <a:r>
+              <a:rPr lang="en-US" dirty="0" err="1"/>
+              <a:t>ràng</a:t>
+            </a:r>
+            <a:endParaRPr lang="en-US" dirty="0"/>
+          </a:p>
+          <a:p>
+            <a:pPr marL="285750" indent="-285750">
+              <a:lnSpc>
+                <a:spcPct val="300000"/>
+              </a:lnSpc>
+            </a:pPr>
+            <a:r>
+              <a:rPr lang="en-US" dirty="0" err="1"/>
+              <a:t>Hiểu</a:t>
+            </a:r>
+            <a:r>
+              <a:rPr lang="en-US" dirty="0"/>
+              <a:t> </a:t>
+            </a:r>
+            <a:r>
+              <a:rPr lang="en-US" dirty="0" err="1"/>
+              <a:t>biết</a:t>
+            </a:r>
+            <a:r>
+              <a:rPr lang="en-US" dirty="0"/>
+              <a:t> </a:t>
+            </a:r>
+            <a:r>
+              <a:rPr lang="en-US" dirty="0" err="1"/>
+              <a:t>một</a:t>
+            </a:r>
+            <a:r>
+              <a:rPr lang="en-US" dirty="0"/>
+              <a:t> </a:t>
+            </a:r>
+            <a:r>
+              <a:rPr lang="en-US" dirty="0" err="1"/>
+              <a:t>số</a:t>
+            </a:r>
+            <a:r>
+              <a:rPr lang="en-US" dirty="0"/>
+              <a:t> game </a:t>
+            </a:r>
+            <a:r>
+              <a:rPr lang="en-US" dirty="0" err="1"/>
+              <a:t>đối</a:t>
+            </a:r>
+            <a:r>
+              <a:rPr lang="en-US" dirty="0"/>
+              <a:t> </a:t>
+            </a:r>
+            <a:r>
+              <a:rPr lang="en-US" dirty="0" err="1"/>
+              <a:t>kháng</a:t>
+            </a:r>
+            <a:r>
+              <a:rPr lang="en-US" dirty="0"/>
+              <a:t> </a:t>
+            </a:r>
+            <a:r>
+              <a:rPr lang="en-US" dirty="0" err="1"/>
+              <a:t>từ</a:t>
+            </a:r>
+            <a:r>
+              <a:rPr lang="en-US" dirty="0"/>
+              <a:t> </a:t>
+            </a:r>
+            <a:r>
+              <a:rPr lang="en-US" dirty="0" err="1"/>
+              <a:t>trước</a:t>
+            </a:r>
+            <a:r>
+              <a:rPr lang="en-US" dirty="0"/>
+              <a:t> </a:t>
+            </a:r>
+            <a:r>
+              <a:rPr lang="en-US" dirty="0" err="1"/>
+              <a:t>nên</a:t>
+            </a:r>
+            <a:r>
+              <a:rPr lang="en-US" dirty="0"/>
+              <a:t> </a:t>
+            </a:r>
+            <a:r>
+              <a:rPr lang="en-US" dirty="0" err="1"/>
+              <a:t>không</a:t>
+            </a:r>
+            <a:r>
+              <a:rPr lang="en-US" dirty="0"/>
+              <a:t> </a:t>
+            </a:r>
+            <a:r>
+              <a:rPr lang="en-US" dirty="0" err="1"/>
+              <a:t>phải</a:t>
+            </a:r>
+            <a:r>
+              <a:rPr lang="en-US" dirty="0"/>
+              <a:t> </a:t>
+            </a:r>
+            <a:r>
+              <a:rPr lang="en-US" dirty="0" err="1"/>
+              <a:t>tốn</a:t>
+            </a:r>
+            <a:r>
+              <a:rPr lang="en-US" dirty="0"/>
+              <a:t> </a:t>
+            </a:r>
+            <a:r>
+              <a:rPr lang="en-US" dirty="0" err="1"/>
+              <a:t>quá</a:t>
+            </a:r>
+            <a:r>
+              <a:rPr lang="en-US" dirty="0"/>
+              <a:t> </a:t>
+            </a:r>
+            <a:r>
+              <a:rPr lang="en-US" dirty="0" err="1"/>
+              <a:t>nhiều</a:t>
+            </a:r>
+            <a:r>
+              <a:rPr lang="en-US" dirty="0"/>
+              <a:t> </a:t>
+            </a:r>
+            <a:r>
+              <a:rPr lang="en-US" dirty="0" err="1"/>
+              <a:t>thời</a:t>
+            </a:r>
+            <a:r>
+              <a:rPr lang="en-US" dirty="0"/>
+              <a:t> </a:t>
+            </a:r>
+            <a:r>
+              <a:rPr lang="en-US" dirty="0" err="1"/>
+              <a:t>gian</a:t>
+            </a:r>
+            <a:r>
+              <a:rPr lang="en-US" dirty="0"/>
+              <a:t> </a:t>
+            </a:r>
+            <a:r>
+              <a:rPr lang="en-US" dirty="0" err="1"/>
+              <a:t>tìm</a:t>
+            </a:r>
+            <a:r>
+              <a:rPr lang="en-US" dirty="0"/>
+              <a:t> </a:t>
+            </a:r>
+            <a:r>
+              <a:rPr lang="en-US" dirty="0" err="1"/>
+              <a:t>hiểu</a:t>
+            </a:r>
+            <a:endParaRPr lang="en-US" dirty="0"/>
+          </a:p>
+        </p:txBody>
+      </p:sp>
+      <p:sp>
+        <p:nvSpPr>
+          <p:cNvPr id="2" name="Google Shape;424;p27">
+            <a:extLst>
+              <a:ext uri="{FF2B5EF4-FFF2-40B4-BE49-F238E27FC236}">
+                <a16:creationId xmlns:a16="http://schemas.microsoft.com/office/drawing/2014/main" id="{A3AAC70C-DB2E-7992-B08C-B923090AFCDF}"/>
+              </a:ext>
+            </a:extLst>
+          </p:cNvPr>
+          <p:cNvSpPr txBox="1">
+            <a:spLocks noGrp="1"/>
+          </p:cNvSpPr>
+          <p:nvPr>
+            <p:ph type="title"/>
+          </p:nvPr>
+        </p:nvSpPr>
+        <p:spPr>
+          <a:xfrm>
+            <a:off x="1040850" y="1142491"/>
+            <a:ext cx="10110300" cy="763500"/>
+          </a:xfrm>
+          <a:prstGeom prst="rect">
+            <a:avLst/>
+          </a:prstGeom>
+        </p:spPr>
+        <p:txBody>
+          <a:bodyPr spcFirstLastPara="1" wrap="square" lIns="121900" tIns="121900" rIns="121900" bIns="121900" anchor="t" anchorCtr="0">
+            <a:noAutofit/>
+          </a:bodyPr>
+          <a:lstStyle/>
+          <a:p>
+            <a:pPr marL="0" lvl="0" indent="0" algn="l" rtl="0">
+              <a:spcBef>
+                <a:spcPts val="0"/>
+              </a:spcBef>
+              <a:spcAft>
+                <a:spcPts val="0"/>
+              </a:spcAft>
+              <a:buNone/>
+            </a:pPr>
+            <a:r>
+              <a:rPr lang="en" dirty="0">
+                <a:solidFill>
+                  <a:schemeClr val="accent1"/>
+                </a:solidFill>
+              </a:rPr>
+              <a:t>4.1 Thuận lợi</a:t>
+            </a:r>
+            <a:endParaRPr dirty="0">
+              <a:solidFill>
+                <a:schemeClr val="accent1"/>
+              </a:solidFill>
+            </a:endParaRPr>
+          </a:p>
+        </p:txBody>
+      </p:sp>
+    </p:spTree>
+    <p:extLst>
+      <p:ext uri="{BB962C8B-B14F-4D97-AF65-F5344CB8AC3E}">
+        <p14:creationId xmlns:p14="http://schemas.microsoft.com/office/powerpoint/2010/main" val="1883975739"/>
+      </p:ext>
+    </p:extLst>
+  </p:cSld>
+  <p:clrMapOvr>
+    <a:masterClrMapping/>
+  </p:clrMapOvr>
+  <p:transition spd="slow">
+    <p:wipe/>
+  </p:transition>
+</p:sld>
+</file>
+
+<file path=ppt/slides/slide16.xml><?xml version="1.0" encoding="utf-8"?>
+<p:sld xmlns:a="http://schemas.openxmlformats.org/drawingml/2006/main" xmlns:r="http://schemas.openxmlformats.org/officeDocument/2006/relationships" xmlns:p="http://schemas.openxmlformats.org/presentationml/2006/main">
+  <p:cSld>
+    <p:spTree>
+      <p:nvGrpSpPr>
+        <p:cNvPr id="1" name="Shape 416"/>
+        <p:cNvGrpSpPr/>
+        <p:nvPr/>
+      </p:nvGrpSpPr>
+      <p:grpSpPr>
+        <a:xfrm>
+          <a:off x="0" y="0"/>
+          <a:ext cx="0" cy="0"/>
+          <a:chOff x="0" y="0"/>
+          <a:chExt cx="0" cy="0"/>
+        </a:xfrm>
+      </p:grpSpPr>
+      <p:sp>
+        <p:nvSpPr>
+          <p:cNvPr id="419" name="Google Shape;419;p26"/>
+          <p:cNvSpPr txBox="1">
+            <a:spLocks noGrp="1"/>
+          </p:cNvSpPr>
+          <p:nvPr>
+            <p:ph type="body" idx="2"/>
+          </p:nvPr>
+        </p:nvSpPr>
+        <p:spPr>
+          <a:xfrm>
+            <a:off x="1315302" y="1905991"/>
+            <a:ext cx="8865600" cy="2447504"/>
+          </a:xfrm>
+          <a:prstGeom prst="rect">
+            <a:avLst/>
+          </a:prstGeom>
+        </p:spPr>
+        <p:txBody>
+          <a:bodyPr spcFirstLastPara="1" wrap="square" lIns="121900" tIns="121900" rIns="121900" bIns="121900" anchor="t" anchorCtr="0">
+            <a:noAutofit/>
+          </a:bodyPr>
+          <a:lstStyle/>
+          <a:p>
+            <a:pPr marL="285750" indent="-285750">
+              <a:lnSpc>
+                <a:spcPct val="150000"/>
+              </a:lnSpc>
+            </a:pPr>
+            <a:r>
+              <a:rPr lang="vi-VN" dirty="0"/>
+              <a:t>Chưa nắm vững ngôn ngữ lập trình Python, gặp khó khăn trong quá trình thực hiện đồ án</a:t>
+            </a:r>
+            <a:endParaRPr lang="en-US" dirty="0"/>
+          </a:p>
+          <a:p>
+            <a:pPr marL="285750" indent="-285750">
+              <a:lnSpc>
+                <a:spcPct val="150000"/>
+              </a:lnSpc>
+            </a:pPr>
+            <a:r>
+              <a:rPr lang="en-US" dirty="0" err="1"/>
+              <a:t>Vì</a:t>
+            </a:r>
+            <a:r>
+              <a:rPr lang="en-US" dirty="0"/>
+              <a:t> </a:t>
+            </a:r>
+            <a:r>
+              <a:rPr lang="en-US" dirty="0" err="1"/>
+              <a:t>đây</a:t>
+            </a:r>
+            <a:r>
+              <a:rPr lang="en-US" dirty="0"/>
+              <a:t> </a:t>
+            </a:r>
+            <a:r>
+              <a:rPr lang="en-US" dirty="0" err="1"/>
+              <a:t>là</a:t>
+            </a:r>
+            <a:r>
+              <a:rPr lang="en-US" dirty="0"/>
+              <a:t> </a:t>
+            </a:r>
+            <a:r>
+              <a:rPr lang="en-US" dirty="0" err="1"/>
+              <a:t>lần</a:t>
+            </a:r>
+            <a:r>
+              <a:rPr lang="en-US" dirty="0"/>
+              <a:t> </a:t>
+            </a:r>
+            <a:r>
+              <a:rPr lang="en-US" dirty="0" err="1"/>
+              <a:t>đầu</a:t>
+            </a:r>
+            <a:r>
+              <a:rPr lang="en-US" dirty="0"/>
+              <a:t> </a:t>
+            </a:r>
+            <a:r>
+              <a:rPr lang="en-US" dirty="0" err="1"/>
+              <a:t>tiên</a:t>
+            </a:r>
+            <a:r>
+              <a:rPr lang="en-US" dirty="0"/>
+              <a:t> </a:t>
+            </a:r>
+            <a:r>
+              <a:rPr lang="en-US" dirty="0" err="1"/>
+              <a:t>làm</a:t>
+            </a:r>
+            <a:r>
+              <a:rPr lang="en-US" dirty="0"/>
+              <a:t> </a:t>
+            </a:r>
+            <a:r>
+              <a:rPr lang="en-US" dirty="0" err="1"/>
+              <a:t>đồ</a:t>
+            </a:r>
+            <a:r>
+              <a:rPr lang="en-US" dirty="0"/>
+              <a:t> </a:t>
+            </a:r>
+            <a:r>
+              <a:rPr lang="en-US" dirty="0" err="1"/>
+              <a:t>án</a:t>
+            </a:r>
+            <a:r>
+              <a:rPr lang="en-US" dirty="0"/>
+              <a:t> </a:t>
+            </a:r>
+            <a:r>
+              <a:rPr lang="en-US" dirty="0" err="1"/>
+              <a:t>về</a:t>
+            </a:r>
+            <a:r>
+              <a:rPr lang="en-US" dirty="0"/>
+              <a:t> game </a:t>
+            </a:r>
+            <a:r>
+              <a:rPr lang="en-US" dirty="0" err="1"/>
+              <a:t>nên</a:t>
+            </a:r>
+            <a:r>
+              <a:rPr lang="en-US" dirty="0"/>
+              <a:t> </a:t>
+            </a:r>
+            <a:r>
+              <a:rPr lang="en-US" dirty="0" err="1"/>
+              <a:t>gặp</a:t>
+            </a:r>
+            <a:r>
+              <a:rPr lang="en-US" dirty="0"/>
+              <a:t> </a:t>
+            </a:r>
+            <a:r>
+              <a:rPr lang="en-US" dirty="0" err="1"/>
+              <a:t>khá</a:t>
+            </a:r>
+            <a:r>
+              <a:rPr lang="en-US" dirty="0"/>
+              <a:t> </a:t>
+            </a:r>
+            <a:r>
+              <a:rPr lang="en-US" dirty="0" err="1"/>
+              <a:t>nhiều</a:t>
+            </a:r>
+            <a:r>
+              <a:rPr lang="en-US" dirty="0"/>
+              <a:t> </a:t>
+            </a:r>
+            <a:r>
+              <a:rPr lang="en-US" dirty="0" err="1"/>
+              <a:t>khó</a:t>
+            </a:r>
+            <a:r>
+              <a:rPr lang="en-US" dirty="0"/>
+              <a:t> </a:t>
+            </a:r>
+            <a:r>
+              <a:rPr lang="en-US" dirty="0" err="1"/>
+              <a:t>khăn</a:t>
+            </a:r>
+            <a:r>
+              <a:rPr lang="en-US" dirty="0"/>
+              <a:t> </a:t>
+            </a:r>
+            <a:r>
+              <a:rPr lang="en-US" dirty="0" err="1"/>
+              <a:t>trong</a:t>
+            </a:r>
+            <a:r>
+              <a:rPr lang="en-US" dirty="0"/>
+              <a:t> </a:t>
+            </a:r>
+            <a:r>
+              <a:rPr lang="en-US" dirty="0" err="1"/>
+              <a:t>việc</a:t>
+            </a:r>
+            <a:r>
+              <a:rPr lang="en-US" dirty="0"/>
+              <a:t> </a:t>
+            </a:r>
+            <a:r>
+              <a:rPr lang="en-US" dirty="0" err="1"/>
+              <a:t>đọc</a:t>
+            </a:r>
+            <a:r>
+              <a:rPr lang="en-US" dirty="0"/>
+              <a:t> </a:t>
+            </a:r>
+            <a:r>
+              <a:rPr lang="en-US" dirty="0" err="1"/>
+              <a:t>hiểu</a:t>
+            </a:r>
+            <a:r>
+              <a:rPr lang="en-US" dirty="0"/>
+              <a:t> </a:t>
+            </a:r>
+            <a:r>
+              <a:rPr lang="en-US" dirty="0" err="1"/>
+              <a:t>tài</a:t>
+            </a:r>
+            <a:r>
+              <a:rPr lang="en-US" dirty="0"/>
+              <a:t> </a:t>
+            </a:r>
+            <a:r>
+              <a:rPr lang="en-US" dirty="0" err="1"/>
+              <a:t>liệu</a:t>
+            </a:r>
+            <a:r>
+              <a:rPr lang="en-US" dirty="0"/>
+              <a:t> </a:t>
+            </a:r>
+            <a:r>
+              <a:rPr lang="en-US" dirty="0" err="1"/>
+              <a:t>về</a:t>
+            </a:r>
+            <a:r>
+              <a:rPr lang="en-US" dirty="0"/>
+              <a:t> </a:t>
+            </a:r>
+            <a:r>
+              <a:rPr lang="en-US" dirty="0" err="1"/>
+              <a:t>thư</a:t>
+            </a:r>
+            <a:r>
+              <a:rPr lang="en-US" dirty="0"/>
+              <a:t> </a:t>
+            </a:r>
+            <a:r>
+              <a:rPr lang="en-US" dirty="0" err="1"/>
+              <a:t>viện</a:t>
+            </a:r>
+            <a:r>
+              <a:rPr lang="en-US" dirty="0"/>
+              <a:t> </a:t>
+            </a:r>
+            <a:r>
+              <a:rPr lang="en-US" dirty="0" err="1"/>
+              <a:t>Pygame</a:t>
+            </a:r>
+            <a:endParaRPr lang="en-US" dirty="0"/>
+          </a:p>
+          <a:p>
+            <a:pPr marL="285750" indent="-285750">
+              <a:lnSpc>
+                <a:spcPct val="150000"/>
+              </a:lnSpc>
+            </a:pPr>
+            <a:r>
+              <a:rPr lang="vi-VN" dirty="0"/>
+              <a:t>Thời gian thực hiện đồ án khá ngắn do phải đi thực tập dẫn đến sản phẩm với nội dung chưa được đa dạng, chức năng không được phong phú</a:t>
+            </a:r>
+            <a:endParaRPr lang="en-US" dirty="0"/>
+          </a:p>
+          <a:p>
+            <a:pPr marL="285750" indent="-285750">
+              <a:lnSpc>
+                <a:spcPct val="150000"/>
+              </a:lnSpc>
+            </a:pPr>
+            <a:r>
+              <a:rPr lang="en-US" dirty="0"/>
+              <a:t>Gameplay </a:t>
+            </a:r>
+            <a:r>
+              <a:rPr lang="en-US" dirty="0" err="1"/>
+              <a:t>khó</a:t>
+            </a:r>
+            <a:r>
+              <a:rPr lang="en-US" dirty="0"/>
+              <a:t> </a:t>
+            </a:r>
+            <a:r>
+              <a:rPr lang="en-US" dirty="0" err="1"/>
+              <a:t>cân</a:t>
+            </a:r>
+            <a:r>
+              <a:rPr lang="en-US" dirty="0"/>
+              <a:t> </a:t>
+            </a:r>
+            <a:r>
+              <a:rPr lang="en-US" dirty="0" err="1"/>
+              <a:t>bằng</a:t>
+            </a:r>
+            <a:endParaRPr lang="en-US" dirty="0"/>
+          </a:p>
+        </p:txBody>
+      </p:sp>
+      <p:sp>
+        <p:nvSpPr>
+          <p:cNvPr id="2" name="Google Shape;424;p27">
+            <a:extLst>
+              <a:ext uri="{FF2B5EF4-FFF2-40B4-BE49-F238E27FC236}">
+                <a16:creationId xmlns:a16="http://schemas.microsoft.com/office/drawing/2014/main" id="{A3AAC70C-DB2E-7992-B08C-B923090AFCDF}"/>
+              </a:ext>
+            </a:extLst>
+          </p:cNvPr>
+          <p:cNvSpPr txBox="1">
+            <a:spLocks noGrp="1"/>
+          </p:cNvSpPr>
+          <p:nvPr>
+            <p:ph type="title"/>
+          </p:nvPr>
+        </p:nvSpPr>
+        <p:spPr>
+          <a:xfrm>
+            <a:off x="1040850" y="1142491"/>
+            <a:ext cx="10110300" cy="763500"/>
+          </a:xfrm>
+          <a:prstGeom prst="rect">
+            <a:avLst/>
+          </a:prstGeom>
+        </p:spPr>
+        <p:txBody>
+          <a:bodyPr spcFirstLastPara="1" wrap="square" lIns="121900" tIns="121900" rIns="121900" bIns="121900" anchor="t" anchorCtr="0">
+            <a:noAutofit/>
+          </a:bodyPr>
+          <a:lstStyle/>
+          <a:p>
+            <a:pPr marL="0" lvl="0" indent="0" algn="l" rtl="0">
+              <a:spcBef>
+                <a:spcPts val="0"/>
+              </a:spcBef>
+              <a:spcAft>
+                <a:spcPts val="0"/>
+              </a:spcAft>
+              <a:buNone/>
+            </a:pPr>
+            <a:r>
+              <a:rPr lang="en" dirty="0">
+                <a:solidFill>
+                  <a:schemeClr val="accent1"/>
+                </a:solidFill>
+              </a:rPr>
+              <a:t>4.2 Khó khăn</a:t>
+            </a:r>
+            <a:endParaRPr dirty="0">
+              <a:solidFill>
+                <a:schemeClr val="accent1"/>
+              </a:solidFill>
+            </a:endParaRPr>
+          </a:p>
+        </p:txBody>
+      </p:sp>
+    </p:spTree>
+    <p:extLst>
+      <p:ext uri="{BB962C8B-B14F-4D97-AF65-F5344CB8AC3E}">
+        <p14:creationId xmlns:p14="http://schemas.microsoft.com/office/powerpoint/2010/main" val="3031451126"/>
+      </p:ext>
+    </p:extLst>
+  </p:cSld>
+  <p:clrMapOvr>
+    <a:masterClrMapping/>
+  </p:clrMapOvr>
+  <p:transition spd="slow">
+    <p:wipe/>
+  </p:transition>
+</p:sld>
+</file>
+
+<file path=ppt/slides/slide17.xml><?xml version="1.0" encoding="utf-8"?>
+<p:sld xmlns:a="http://schemas.openxmlformats.org/drawingml/2006/main" xmlns:r="http://schemas.openxmlformats.org/officeDocument/2006/relationships" xmlns:p="http://schemas.openxmlformats.org/presentationml/2006/main">
+  <p:cSld>
+    <p:spTree>
+      <p:nvGrpSpPr>
         <p:cNvPr id="1" name="Shape 409"/>
         <p:cNvGrpSpPr/>
         <p:nvPr/>
@@ -22128,16 +23322,13 @@
               <a:t>0</a:t>
             </a:r>
             <a:r>
-              <a:rPr lang="en-US" b="1" i="0" dirty="0">
-                <a:ln>
-                  <a:noFill/>
-                </a:ln>
+              <a:rPr lang="en-US" b="1" dirty="0">
                 <a:solidFill>
                   <a:schemeClr val="accent1"/>
                 </a:solidFill>
                 <a:latin typeface="Roboto Mono"/>
               </a:rPr>
-              <a:t>4</a:t>
+              <a:t>5</a:t>
             </a:r>
             <a:endParaRPr b="1" i="0" dirty="0">
               <a:ln>
@@ -22176,7 +23367,7 @@
 </p:sld>
 </file>
 
-<file path=ppt/slides/slide15.xml><?xml version="1.0" encoding="utf-8"?>
+<file path=ppt/slides/slide18.xml><?xml version="1.0" encoding="utf-8"?>
 <p:sld xmlns:a="http://schemas.openxmlformats.org/drawingml/2006/main" xmlns:r="http://schemas.openxmlformats.org/officeDocument/2006/relationships" xmlns:p="http://schemas.openxmlformats.org/presentationml/2006/main">
   <p:cSld>
     <p:spTree>
@@ -23306,49 +24497,32 @@
       </p:sp>
       <p:pic>
         <p:nvPicPr>
-          <p:cNvPr id="1028" name="Picture 4">
+          <p:cNvPr id="3" name="Picture 2" descr="A blue and yellow snake logo&#10;&#10;Description automatically generated with medium confidence">
             <a:extLst>
               <a:ext uri="{FF2B5EF4-FFF2-40B4-BE49-F238E27FC236}">
-                <a16:creationId xmlns:a16="http://schemas.microsoft.com/office/drawing/2014/main" id="{5BFD3630-761A-2375-E049-E9F579FEFFF7}"/>
+                <a16:creationId xmlns:a16="http://schemas.microsoft.com/office/drawing/2014/main" id="{DDF65B8B-9A5C-3909-264A-D32DA31329A9}"/>
               </a:ext>
             </a:extLst>
           </p:cNvPr>
           <p:cNvPicPr>
-            <a:picLocks noChangeAspect="1" noChangeArrowheads="1"/>
+            <a:picLocks noChangeAspect="1"/>
           </p:cNvPicPr>
           <p:nvPr/>
         </p:nvPicPr>
         <p:blipFill>
-          <a:blip r:embed="rId3">
-            <a:extLst>
-              <a:ext uri="{28A0092B-C50C-407E-A947-70E740481C1C}">
-                <a14:useLocalDpi xmlns:a14="http://schemas.microsoft.com/office/drawing/2010/main" val="0"/>
-              </a:ext>
-            </a:extLst>
-          </a:blip>
-          <a:srcRect/>
+          <a:blip r:embed="rId3"/>
           <a:stretch>
             <a:fillRect/>
           </a:stretch>
         </p:blipFill>
-        <p:spPr bwMode="auto">
+        <p:spPr>
           <a:xfrm>
-            <a:off x="7957527" y="2382135"/>
-            <a:ext cx="2351246" cy="2647066"/>
+            <a:off x="7931691" y="2500694"/>
+            <a:ext cx="2334527" cy="2334527"/>
           </a:xfrm>
           <a:prstGeom prst="rect">
             <a:avLst/>
           </a:prstGeom>
-          <a:noFill/>
-          <a:extLst>
-            <a:ext uri="{909E8E84-426E-40DD-AFC4-6F175D3DCCD1}">
-              <a14:hiddenFill xmlns:a14="http://schemas.microsoft.com/office/drawing/2010/main">
-                <a:solidFill>
-                  <a:srgbClr val="FFFFFF"/>
-                </a:solidFill>
-              </a14:hiddenFill>
-            </a:ext>
-          </a:extLst>
         </p:spPr>
       </p:pic>
     </p:spTree>
@@ -23561,7 +24735,7 @@
                   <a:schemeClr val="accent1"/>
                 </a:solidFill>
               </a:rPr>
-              <a:t>DEMO</a:t>
+              <a:t>THUẬN LỢI VÀ KHÓ KHĂN</a:t>
             </a:r>
             <a:endParaRPr dirty="0"/>
           </a:p>
@@ -23821,7 +24995,7 @@
         </p:nvSpPr>
         <p:spPr>
           <a:xfrm>
-            <a:off x="5490861" y="4783425"/>
+            <a:off x="4418613" y="4783425"/>
             <a:ext cx="1704596" cy="1206300"/>
           </a:xfrm>
           <a:prstGeom prst="rect">
@@ -24084,11 +25258,13 @@
             </a:lvl9pPr>
           </a:lstStyle>
           <a:p>
-            <a:pPr marL="0" indent="0">
+            <a:pPr marL="0" lvl="0" indent="0" algn="l" rtl="0">
+              <a:spcBef>
+                <a:spcPts val="0"/>
+              </a:spcBef>
               <a:spcAft>
                 <a:spcPts val="2100"/>
               </a:spcAft>
-              <a:buFont typeface="Roboto Mono"/>
               <a:buNone/>
             </a:pPr>
             <a:r>
@@ -24097,7 +25273,7 @@
                   <a:schemeClr val="accent1"/>
                 </a:solidFill>
               </a:rPr>
-              <a:t>LOADING…</a:t>
+              <a:t>DEMO</a:t>
             </a:r>
             <a:endParaRPr lang="en-US" dirty="0"/>
           </a:p>
@@ -24398,6 +25574,296 @@
               <a:t>LOADING…</a:t>
             </a:r>
             <a:endParaRPr lang="en-US" dirty="0"/>
+          </a:p>
+        </p:txBody>
+      </p:sp>
+      <p:sp>
+        <p:nvSpPr>
+          <p:cNvPr id="2" name="Google Shape;404;p24">
+            <a:extLst>
+              <a:ext uri="{FF2B5EF4-FFF2-40B4-BE49-F238E27FC236}">
+                <a16:creationId xmlns:a16="http://schemas.microsoft.com/office/drawing/2014/main" id="{6A509E34-957D-AFA7-498B-C330D7FE0DC2}"/>
+              </a:ext>
+            </a:extLst>
+          </p:cNvPr>
+          <p:cNvSpPr txBox="1">
+            <a:spLocks/>
+          </p:cNvSpPr>
+          <p:nvPr/>
+        </p:nvSpPr>
+        <p:spPr>
+          <a:xfrm>
+            <a:off x="5693275" y="4180200"/>
+            <a:ext cx="2166900" cy="695700"/>
+          </a:xfrm>
+          <a:prstGeom prst="rect">
+            <a:avLst/>
+          </a:prstGeom>
+          <a:noFill/>
+          <a:ln>
+            <a:noFill/>
+          </a:ln>
+        </p:spPr>
+        <p:txBody>
+          <a:bodyPr spcFirstLastPara="1" wrap="square" lIns="121900" tIns="121900" rIns="121900" bIns="121900" anchor="t" anchorCtr="0">
+            <a:noAutofit/>
+          </a:bodyPr>
+          <a:lstStyle>
+            <a:defPPr marR="0" lvl="0" algn="l" rtl="0">
+              <a:lnSpc>
+                <a:spcPct val="100000"/>
+              </a:lnSpc>
+              <a:spcBef>
+                <a:spcPts val="0"/>
+              </a:spcBef>
+              <a:spcAft>
+                <a:spcPts val="0"/>
+              </a:spcAft>
+            </a:defPPr>
+            <a:lvl1pPr marL="0" marR="0" lvl="0" indent="0" algn="r" rtl="0">
+              <a:lnSpc>
+                <a:spcPct val="100000"/>
+              </a:lnSpc>
+              <a:spcBef>
+                <a:spcPts val="0"/>
+              </a:spcBef>
+              <a:spcAft>
+                <a:spcPts val="0"/>
+              </a:spcAft>
+              <a:buClr>
+                <a:schemeClr val="dk1"/>
+              </a:buClr>
+              <a:buSzPts val="2600"/>
+              <a:buFont typeface="Aldrich"/>
+              <a:buNone/>
+              <a:defRPr sz="2600" b="1" i="0" u="none" strike="noStrike" cap="none">
+                <a:solidFill>
+                  <a:schemeClr val="accent3"/>
+                </a:solidFill>
+                <a:latin typeface="Roboto Mono"/>
+                <a:ea typeface="Roboto Mono"/>
+                <a:cs typeface="Roboto Mono"/>
+                <a:sym typeface="Roboto Mono"/>
+              </a:defRPr>
+            </a:lvl1pPr>
+            <a:lvl2pPr marR="0" lvl="1" algn="l" rtl="0">
+              <a:lnSpc>
+                <a:spcPct val="100000"/>
+              </a:lnSpc>
+              <a:spcBef>
+                <a:spcPts val="0"/>
+              </a:spcBef>
+              <a:spcAft>
+                <a:spcPts val="0"/>
+              </a:spcAft>
+              <a:buClr>
+                <a:schemeClr val="dk1"/>
+              </a:buClr>
+              <a:buSzPts val="2600"/>
+              <a:buFont typeface="Abril Fatface"/>
+              <a:buNone/>
+              <a:defRPr sz="2600" b="1" i="0" u="none" strike="noStrike" cap="none">
+                <a:solidFill>
+                  <a:schemeClr val="dk1"/>
+                </a:solidFill>
+                <a:latin typeface="Abril Fatface"/>
+                <a:ea typeface="Abril Fatface"/>
+                <a:cs typeface="Abril Fatface"/>
+                <a:sym typeface="Abril Fatface"/>
+              </a:defRPr>
+            </a:lvl2pPr>
+            <a:lvl3pPr marR="0" lvl="2" algn="l" rtl="0">
+              <a:lnSpc>
+                <a:spcPct val="100000"/>
+              </a:lnSpc>
+              <a:spcBef>
+                <a:spcPts val="0"/>
+              </a:spcBef>
+              <a:spcAft>
+                <a:spcPts val="0"/>
+              </a:spcAft>
+              <a:buClr>
+                <a:schemeClr val="dk1"/>
+              </a:buClr>
+              <a:buSzPts val="2600"/>
+              <a:buFont typeface="Abril Fatface"/>
+              <a:buNone/>
+              <a:defRPr sz="2600" b="1" i="0" u="none" strike="noStrike" cap="none">
+                <a:solidFill>
+                  <a:schemeClr val="dk1"/>
+                </a:solidFill>
+                <a:latin typeface="Abril Fatface"/>
+                <a:ea typeface="Abril Fatface"/>
+                <a:cs typeface="Abril Fatface"/>
+                <a:sym typeface="Abril Fatface"/>
+              </a:defRPr>
+            </a:lvl3pPr>
+            <a:lvl4pPr marR="0" lvl="3" algn="l" rtl="0">
+              <a:lnSpc>
+                <a:spcPct val="100000"/>
+              </a:lnSpc>
+              <a:spcBef>
+                <a:spcPts val="0"/>
+              </a:spcBef>
+              <a:spcAft>
+                <a:spcPts val="0"/>
+              </a:spcAft>
+              <a:buClr>
+                <a:schemeClr val="dk1"/>
+              </a:buClr>
+              <a:buSzPts val="2600"/>
+              <a:buFont typeface="Abril Fatface"/>
+              <a:buNone/>
+              <a:defRPr sz="2600" b="1" i="0" u="none" strike="noStrike" cap="none">
+                <a:solidFill>
+                  <a:schemeClr val="dk1"/>
+                </a:solidFill>
+                <a:latin typeface="Abril Fatface"/>
+                <a:ea typeface="Abril Fatface"/>
+                <a:cs typeface="Abril Fatface"/>
+                <a:sym typeface="Abril Fatface"/>
+              </a:defRPr>
+            </a:lvl4pPr>
+            <a:lvl5pPr marR="0" lvl="4" algn="l" rtl="0">
+              <a:lnSpc>
+                <a:spcPct val="100000"/>
+              </a:lnSpc>
+              <a:spcBef>
+                <a:spcPts val="0"/>
+              </a:spcBef>
+              <a:spcAft>
+                <a:spcPts val="0"/>
+              </a:spcAft>
+              <a:buClr>
+                <a:schemeClr val="dk1"/>
+              </a:buClr>
+              <a:buSzPts val="2600"/>
+              <a:buFont typeface="Abril Fatface"/>
+              <a:buNone/>
+              <a:defRPr sz="2600" b="1" i="0" u="none" strike="noStrike" cap="none">
+                <a:solidFill>
+                  <a:schemeClr val="dk1"/>
+                </a:solidFill>
+                <a:latin typeface="Abril Fatface"/>
+                <a:ea typeface="Abril Fatface"/>
+                <a:cs typeface="Abril Fatface"/>
+                <a:sym typeface="Abril Fatface"/>
+              </a:defRPr>
+            </a:lvl5pPr>
+            <a:lvl6pPr marR="0" lvl="5" algn="l" rtl="0">
+              <a:lnSpc>
+                <a:spcPct val="100000"/>
+              </a:lnSpc>
+              <a:spcBef>
+                <a:spcPts val="0"/>
+              </a:spcBef>
+              <a:spcAft>
+                <a:spcPts val="0"/>
+              </a:spcAft>
+              <a:buClr>
+                <a:schemeClr val="dk1"/>
+              </a:buClr>
+              <a:buSzPts val="2600"/>
+              <a:buFont typeface="Abril Fatface"/>
+              <a:buNone/>
+              <a:defRPr sz="2600" b="1" i="0" u="none" strike="noStrike" cap="none">
+                <a:solidFill>
+                  <a:schemeClr val="dk1"/>
+                </a:solidFill>
+                <a:latin typeface="Abril Fatface"/>
+                <a:ea typeface="Abril Fatface"/>
+                <a:cs typeface="Abril Fatface"/>
+                <a:sym typeface="Abril Fatface"/>
+              </a:defRPr>
+            </a:lvl6pPr>
+            <a:lvl7pPr marR="0" lvl="6" algn="l" rtl="0">
+              <a:lnSpc>
+                <a:spcPct val="100000"/>
+              </a:lnSpc>
+              <a:spcBef>
+                <a:spcPts val="0"/>
+              </a:spcBef>
+              <a:spcAft>
+                <a:spcPts val="0"/>
+              </a:spcAft>
+              <a:buClr>
+                <a:schemeClr val="dk1"/>
+              </a:buClr>
+              <a:buSzPts val="2600"/>
+              <a:buFont typeface="Abril Fatface"/>
+              <a:buNone/>
+              <a:defRPr sz="2600" b="1" i="0" u="none" strike="noStrike" cap="none">
+                <a:solidFill>
+                  <a:schemeClr val="dk1"/>
+                </a:solidFill>
+                <a:latin typeface="Abril Fatface"/>
+                <a:ea typeface="Abril Fatface"/>
+                <a:cs typeface="Abril Fatface"/>
+                <a:sym typeface="Abril Fatface"/>
+              </a:defRPr>
+            </a:lvl7pPr>
+            <a:lvl8pPr marR="0" lvl="7" algn="l" rtl="0">
+              <a:lnSpc>
+                <a:spcPct val="100000"/>
+              </a:lnSpc>
+              <a:spcBef>
+                <a:spcPts val="0"/>
+              </a:spcBef>
+              <a:spcAft>
+                <a:spcPts val="0"/>
+              </a:spcAft>
+              <a:buClr>
+                <a:schemeClr val="dk1"/>
+              </a:buClr>
+              <a:buSzPts val="2600"/>
+              <a:buFont typeface="Abril Fatface"/>
+              <a:buNone/>
+              <a:defRPr sz="2600" b="1" i="0" u="none" strike="noStrike" cap="none">
+                <a:solidFill>
+                  <a:schemeClr val="dk1"/>
+                </a:solidFill>
+                <a:latin typeface="Abril Fatface"/>
+                <a:ea typeface="Abril Fatface"/>
+                <a:cs typeface="Abril Fatface"/>
+                <a:sym typeface="Abril Fatface"/>
+              </a:defRPr>
+            </a:lvl8pPr>
+            <a:lvl9pPr marR="0" lvl="8" algn="l" rtl="0">
+              <a:lnSpc>
+                <a:spcPct val="100000"/>
+              </a:lnSpc>
+              <a:spcBef>
+                <a:spcPts val="0"/>
+              </a:spcBef>
+              <a:spcAft>
+                <a:spcPts val="0"/>
+              </a:spcAft>
+              <a:buClr>
+                <a:schemeClr val="dk1"/>
+              </a:buClr>
+              <a:buSzPts val="2600"/>
+              <a:buFont typeface="Abril Fatface"/>
+              <a:buNone/>
+              <a:defRPr sz="2600" b="1" i="0" u="none" strike="noStrike" cap="none">
+                <a:solidFill>
+                  <a:schemeClr val="dk1"/>
+                </a:solidFill>
+                <a:latin typeface="Abril Fatface"/>
+                <a:ea typeface="Abril Fatface"/>
+                <a:cs typeface="Abril Fatface"/>
+                <a:sym typeface="Abril Fatface"/>
+              </a:defRPr>
+            </a:lvl9pPr>
+          </a:lstStyle>
+          <a:p>
+            <a:r>
+              <a:rPr lang="en" dirty="0">
+                <a:solidFill>
+                  <a:schemeClr val="accent1"/>
+                </a:solidFill>
+              </a:rPr>
+              <a:t>05</a:t>
+            </a:r>
           </a:p>
         </p:txBody>
       </p:sp>
